--- a/static/lectures/006-ALTEthics.pptx
+++ b/static/lectures/006-ALTEthics.pptx
@@ -11,10 +11,10 @@
     <p:sldId id="262" r:id="rId2"/>
     <p:sldId id="295" r:id="rId3"/>
     <p:sldId id="296" r:id="rId4"/>
-    <p:sldId id="312" r:id="rId5"/>
-    <p:sldId id="311" r:id="rId6"/>
-    <p:sldId id="314" r:id="rId7"/>
-    <p:sldId id="315" r:id="rId8"/>
+    <p:sldId id="319" r:id="rId5"/>
+    <p:sldId id="312" r:id="rId6"/>
+    <p:sldId id="311" r:id="rId7"/>
+    <p:sldId id="314" r:id="rId8"/>
     <p:sldId id="317" r:id="rId9"/>
     <p:sldId id="316" r:id="rId10"/>
     <p:sldId id="318" r:id="rId11"/>
@@ -208,7 +208,7 @@
           <a:p>
             <a:fld id="{9A8075CA-E4BE-BA46-A08D-1D2A53775B0A}" type="datetimeFigureOut">
               <a:rPr lang="en-US" smtClean="0"/>
-              <a:t>5/20/21</a:t>
+              <a:t>5/24/21</a:t>
             </a:fld>
             <a:endParaRPr lang="en-US"/>
           </a:p>
@@ -715,7 +715,7 @@
           <a:p>
             <a:fld id="{23A5DD90-C89A-BB41-88A2-FC1EE1ABBA78}" type="datetimeFigureOut">
               <a:rPr lang="en-US" smtClean="0"/>
-              <a:t>5/20/21</a:t>
+              <a:t>5/24/21</a:t>
             </a:fld>
             <a:endParaRPr lang="en-US"/>
           </a:p>
@@ -917,7 +917,7 @@
           <a:p>
             <a:fld id="{23A5DD90-C89A-BB41-88A2-FC1EE1ABBA78}" type="datetimeFigureOut">
               <a:rPr lang="en-US" smtClean="0"/>
-              <a:t>5/20/21</a:t>
+              <a:t>5/24/21</a:t>
             </a:fld>
             <a:endParaRPr lang="en-US"/>
           </a:p>
@@ -1109,7 +1109,7 @@
           <a:p>
             <a:fld id="{23A5DD90-C89A-BB41-88A2-FC1EE1ABBA78}" type="datetimeFigureOut">
               <a:rPr lang="en-US" smtClean="0"/>
-              <a:t>5/20/21</a:t>
+              <a:t>5/24/21</a:t>
             </a:fld>
             <a:endParaRPr lang="en-US"/>
           </a:p>
@@ -1378,7 +1378,7 @@
           <a:p>
             <a:fld id="{23A5DD90-C89A-BB41-88A2-FC1EE1ABBA78}" type="datetimeFigureOut">
               <a:rPr lang="en-US" smtClean="0"/>
-              <a:t>5/20/21</a:t>
+              <a:t>5/24/21</a:t>
             </a:fld>
             <a:endParaRPr lang="en-US"/>
           </a:p>
@@ -1631,7 +1631,7 @@
           <a:p>
             <a:fld id="{23A5DD90-C89A-BB41-88A2-FC1EE1ABBA78}" type="datetimeFigureOut">
               <a:rPr lang="en-US" smtClean="0"/>
-              <a:t>5/20/21</a:t>
+              <a:t>5/24/21</a:t>
             </a:fld>
             <a:endParaRPr lang="en-US"/>
           </a:p>
@@ -2019,7 +2019,7 @@
           <a:p>
             <a:fld id="{23A5DD90-C89A-BB41-88A2-FC1EE1ABBA78}" type="datetimeFigureOut">
               <a:rPr lang="en-US" smtClean="0"/>
-              <a:t>5/20/21</a:t>
+              <a:t>5/24/21</a:t>
             </a:fld>
             <a:endParaRPr lang="en-US"/>
           </a:p>
@@ -2160,7 +2160,7 @@
           <a:p>
             <a:fld id="{23A5DD90-C89A-BB41-88A2-FC1EE1ABBA78}" type="datetimeFigureOut">
               <a:rPr lang="en-US" smtClean="0"/>
-              <a:t>5/20/21</a:t>
+              <a:t>5/24/21</a:t>
             </a:fld>
             <a:endParaRPr lang="en-US"/>
           </a:p>
@@ -2279,7 +2279,7 @@
           <a:p>
             <a:fld id="{23A5DD90-C89A-BB41-88A2-FC1EE1ABBA78}" type="datetimeFigureOut">
               <a:rPr lang="en-US" smtClean="0"/>
-              <a:t>5/20/21</a:t>
+              <a:t>5/24/21</a:t>
             </a:fld>
             <a:endParaRPr lang="en-US"/>
           </a:p>
@@ -2578,7 +2578,7 @@
           <a:p>
             <a:fld id="{23A5DD90-C89A-BB41-88A2-FC1EE1ABBA78}" type="datetimeFigureOut">
               <a:rPr lang="en-US" smtClean="0"/>
-              <a:t>5/20/21</a:t>
+              <a:t>5/24/21</a:t>
             </a:fld>
             <a:endParaRPr lang="en-US"/>
           </a:p>
@@ -2854,7 +2854,7 @@
           <a:p>
             <a:fld id="{23A5DD90-C89A-BB41-88A2-FC1EE1ABBA78}" type="datetimeFigureOut">
               <a:rPr lang="en-US" smtClean="0"/>
-              <a:t>5/20/21</a:t>
+              <a:t>5/24/21</a:t>
             </a:fld>
             <a:endParaRPr lang="en-US"/>
           </a:p>
@@ -3437,7 +3437,7 @@
           <p:cNvPr id="3" name="Picture 2">
             <a:extLst>
               <a:ext uri="{FF2B5EF4-FFF2-40B4-BE49-F238E27FC236}">
-                <a16:creationId xmlns:a16="http://schemas.microsoft.com/office/drawing/2014/main" xmlns="" id="{EDD31862-E10B-274C-9571-3BE694A2173A}"/>
+                <a16:creationId xmlns="" xmlns:a16="http://schemas.microsoft.com/office/drawing/2014/main" id="{EDD31862-E10B-274C-9571-3BE694A2173A}"/>
               </a:ext>
             </a:extLst>
           </p:cNvPr>
@@ -3604,6 +3604,13 @@
   <p:clrMapOvr>
     <a:masterClrMapping/>
   </p:clrMapOvr>
+  <p:timing>
+    <p:tnLst>
+      <p:par>
+        <p:cTn id="1" dur="indefinite" restart="never" nodeType="tmRoot"/>
+      </p:par>
+    </p:tnLst>
+  </p:timing>
 </p:sld>
 </file>
 
@@ -3684,15 +3691,23 @@
             </a:r>
             <a:r>
               <a:rPr lang="en-US" dirty="0" smtClean="0"/>
-              <a:t>innovation</a:t>
-            </a:r>
+              <a:t>innovation </a:t>
+            </a:r>
+            <a:r>
+              <a:rPr lang="mr-IN" dirty="0" smtClean="0"/>
+              <a:t>–</a:t>
+            </a:r>
+            <a:r>
+              <a:rPr lang="en-US" dirty="0" smtClean="0"/>
+              <a:t> left ethics and privacy for later</a:t>
+            </a:r>
+            <a:endParaRPr lang="en-US" dirty="0" smtClean="0"/>
           </a:p>
           <a:p>
             <a:r>
               <a:rPr lang="en-US" dirty="0" smtClean="0"/>
               <a:t>The market does not reward "better privacy"</a:t>
             </a:r>
-            <a:endParaRPr lang="en-US" dirty="0" smtClean="0"/>
           </a:p>
           <a:p>
             <a:r>
@@ -3705,13 +3720,8 @@
             </a:r>
             <a:r>
               <a:rPr lang="en-US" dirty="0" smtClean="0"/>
-              <a:t> we need to look at our solutions and </a:t>
-            </a:r>
-            <a:r>
-              <a:rPr lang="en-US" smtClean="0"/>
-              <a:t>decisions though a new lens</a:t>
-            </a:r>
-            <a:endParaRPr lang="en-US" dirty="0" smtClean="0"/>
+              <a:t> we need to look at our solutions and decisions though a new lens</a:t>
+            </a:r>
           </a:p>
           <a:p>
             <a:endParaRPr lang="en-US" dirty="0"/>
@@ -3721,7 +3731,6 @@
               <a:rPr lang="en-US" dirty="0" smtClean="0"/>
               <a:t>I am reminded of the security versus convenience tradeoffs we faced in the early 1990s as we began to connect everything to the global Internet</a:t>
             </a:r>
-            <a:endParaRPr lang="en-US" dirty="0" smtClean="0"/>
           </a:p>
           <a:p>
             <a:endParaRPr lang="en-US" dirty="0"/>
@@ -3738,6 +3747,13 @@
   <p:clrMapOvr>
     <a:masterClrMapping/>
   </p:clrMapOvr>
+  <p:timing>
+    <p:tnLst>
+      <p:par>
+        <p:cTn id="1" dur="indefinite" restart="never" nodeType="tmRoot"/>
+      </p:par>
+    </p:tnLst>
+  </p:timing>
 </p:sld>
 </file>
 
@@ -3793,7 +3809,7 @@
           <p:cNvPr id="3" name="Picture 2">
             <a:extLst>
               <a:ext uri="{FF2B5EF4-FFF2-40B4-BE49-F238E27FC236}">
-                <a16:creationId xmlns:a16="http://schemas.microsoft.com/office/drawing/2014/main" xmlns="" id="{EDD31862-E10B-274C-9571-3BE694A2173A}"/>
+                <a16:creationId xmlns="" xmlns:a16="http://schemas.microsoft.com/office/drawing/2014/main" id="{EDD31862-E10B-274C-9571-3BE694A2173A}"/>
               </a:ext>
             </a:extLst>
           </p:cNvPr>
@@ -4033,7 +4049,7 @@
         <p:spPr/>
         <p:txBody>
           <a:bodyPr>
-            <a:normAutofit/>
+            <a:normAutofit lnSpcReduction="10000"/>
           </a:bodyPr>
           <a:lstStyle/>
           <a:p>
@@ -4079,7 +4095,18 @@
             </a:r>
             <a:r>
               <a:rPr lang="en-US" sz="4000" i="1" dirty="0"/>
-              <a:t> Chat. Ethics &amp; Learning Technology. Perspectives from the Pandemic.</a:t>
+              <a:t> Chat. </a:t>
+            </a:r>
+            <a:endParaRPr lang="en-US" sz="4000" i="1" dirty="0" smtClean="0"/>
+          </a:p>
+          <a:p>
+            <a:r>
+              <a:rPr lang="en-US" sz="4000" i="1" dirty="0" smtClean="0"/>
+              <a:t>Ethics </a:t>
+            </a:r>
+            <a:r>
+              <a:rPr lang="en-US" sz="4000" i="1" dirty="0"/>
+              <a:t>&amp; Learning Technology. Perspectives from the Pandemic.</a:t>
             </a:r>
           </a:p>
           <a:p>
@@ -4129,92 +4156,49 @@
       </p:grpSpPr>
       <p:sp>
         <p:nvSpPr>
-          <p:cNvPr id="2" name="Title 1"/>
-          <p:cNvSpPr>
-            <a:spLocks noGrp="1"/>
-          </p:cNvSpPr>
-          <p:nvPr>
-            <p:ph type="title"/>
-          </p:nvPr>
-        </p:nvSpPr>
-        <p:spPr/>
-        <p:txBody>
-          <a:bodyPr/>
-          <a:lstStyle/>
-          <a:p>
-            <a:r>
-              <a:rPr lang="en-US" dirty="0"/>
-              <a:t>The DELICATE Checklist for Learning Technology</a:t>
-            </a:r>
-          </a:p>
-        </p:txBody>
-      </p:sp>
-      <p:sp>
-        <p:nvSpPr>
-          <p:cNvPr id="3" name="Content Placeholder 2"/>
-          <p:cNvSpPr>
-            <a:spLocks noGrp="1"/>
-          </p:cNvSpPr>
-          <p:nvPr>
-            <p:ph idx="1"/>
-          </p:nvPr>
-        </p:nvSpPr>
-        <p:spPr/>
-        <p:txBody>
-          <a:bodyPr>
-            <a:normAutofit/>
+          <p:cNvPr id="4" name="TextBox 3"/>
+          <p:cNvSpPr txBox="1"/>
+          <p:nvPr/>
+        </p:nvSpPr>
+        <p:spPr>
+          <a:xfrm>
+            <a:off x="2060294" y="1875099"/>
+            <a:ext cx="7870244" cy="2308324"/>
+          </a:xfrm>
+          <a:prstGeom prst="rect">
+            <a:avLst/>
+          </a:prstGeom>
+          <a:noFill/>
+        </p:spPr>
+        <p:txBody>
+          <a:bodyPr wrap="square" rtlCol="0">
+            <a:spAutoFit/>
           </a:bodyPr>
           <a:lstStyle/>
           <a:p>
             <a:r>
-              <a:rPr lang="en-US" sz="3600" u="sng" dirty="0"/>
-              <a:t>Determination</a:t>
-            </a:r>
-            <a:r>
-              <a:rPr lang="en-US" sz="3600" dirty="0"/>
-              <a:t> - Why do you want to implement this Learning Technology</a:t>
-            </a:r>
-            <a:r>
-              <a:rPr lang="en-US" sz="3600" dirty="0" smtClean="0"/>
-              <a:t>?</a:t>
-            </a:r>
-          </a:p>
-          <a:p>
-            <a:r>
-              <a:rPr lang="en-US" sz="3600" u="sng" dirty="0"/>
-              <a:t>Explain</a:t>
-            </a:r>
-            <a:r>
-              <a:rPr lang="en-US" sz="3600" dirty="0"/>
-              <a:t> - Be open about your intentions and </a:t>
-            </a:r>
-            <a:r>
-              <a:rPr lang="en-US" sz="3600" dirty="0" smtClean="0"/>
-              <a:t>objectives</a:t>
-            </a:r>
-          </a:p>
-          <a:p>
-            <a:r>
-              <a:rPr lang="en-US" sz="3600" u="sng" dirty="0"/>
-              <a:t>Legitimate</a:t>
-            </a:r>
-            <a:r>
-              <a:rPr lang="en-US" sz="3600" dirty="0"/>
-              <a:t> - why are you implementing your Learning Technology</a:t>
-            </a:r>
-            <a:r>
-              <a:rPr lang="en-US" sz="3600" dirty="0" smtClean="0"/>
-              <a:t>?</a:t>
-            </a:r>
-          </a:p>
-          <a:p>
-            <a:r>
-              <a:rPr lang="en-US" sz="3600" u="sng" dirty="0"/>
-              <a:t>Involve</a:t>
-            </a:r>
-            <a:r>
-              <a:rPr lang="en-US" sz="3600" dirty="0"/>
-              <a:t> - Involve all stakeholders and users</a:t>
+              <a:rPr lang="en-US" sz="3600" dirty="0" smtClean="0">
+                <a:solidFill>
+                  <a:srgbClr val="FFFF00"/>
+                </a:solidFill>
+              </a:rPr>
+              <a:t>Helping organizations to find a way to start / </a:t>
+            </a:r>
+            <a:r>
+              <a:rPr lang="en-US" sz="3600" smtClean="0">
+                <a:solidFill>
+                  <a:srgbClr val="FFFF00"/>
+                </a:solidFill>
+              </a:rPr>
+              <a:t>improve their a discussions </a:t>
+            </a:r>
+            <a:r>
+              <a:rPr lang="en-US" sz="3600" dirty="0">
+                <a:solidFill>
+                  <a:srgbClr val="FFFF00"/>
+                </a:solidFill>
+              </a:rPr>
+              <a:t>around privacy and ethics in learning technology</a:t>
             </a:r>
           </a:p>
         </p:txBody>
@@ -4222,13 +4206,20 @@
     </p:spTree>
     <p:extLst>
       <p:ext uri="{BB962C8B-B14F-4D97-AF65-F5344CB8AC3E}">
-        <p14:creationId xmlns:p14="http://schemas.microsoft.com/office/powerpoint/2010/main" val="1651938417"/>
+        <p14:creationId xmlns:p14="http://schemas.microsoft.com/office/powerpoint/2010/main" val="47003605"/>
       </p:ext>
     </p:extLst>
   </p:cSld>
   <p:clrMapOvr>
     <a:masterClrMapping/>
   </p:clrMapOvr>
+  <p:timing>
+    <p:tnLst>
+      <p:par>
+        <p:cTn id="1" dur="indefinite" restart="never" nodeType="tmRoot"/>
+      </p:par>
+    </p:tnLst>
+  </p:timing>
 </p:sld>
 </file>
 
@@ -4266,8 +4257,21 @@
           <a:p>
             <a:r>
               <a:rPr lang="en-US" dirty="0"/>
-              <a:t>The DELICATE Checklist for Learning Technology</a:t>
-            </a:r>
+              <a:t>The </a:t>
+            </a:r>
+            <a:r>
+              <a:rPr lang="en-US" dirty="0" smtClean="0"/>
+              <a:t>Draft Checklist </a:t>
+            </a:r>
+            <a:r>
+              <a:rPr lang="en-US" dirty="0"/>
+              <a:t>for Learning </a:t>
+            </a:r>
+            <a:r>
+              <a:rPr lang="en-US" dirty="0" smtClean="0"/>
+              <a:t>Technology (DELICATE)</a:t>
+            </a:r>
+            <a:endParaRPr lang="en-US" dirty="0"/>
           </a:p>
         </p:txBody>
       </p:sp>
@@ -4284,83 +4288,80 @@
         <p:spPr/>
         <p:txBody>
           <a:bodyPr>
-            <a:noAutofit/>
+            <a:normAutofit/>
           </a:bodyPr>
           <a:lstStyle/>
           <a:p>
             <a:r>
-              <a:rPr lang="en-US" sz="4000" u="sng" dirty="0"/>
-              <a:t>Care and </a:t>
-            </a:r>
-            <a:r>
-              <a:rPr lang="en-US" sz="4000" u="sng" dirty="0" smtClean="0"/>
-              <a:t>Consent </a:t>
-            </a:r>
-            <a:r>
-              <a:rPr lang="en-US" sz="4000" dirty="0"/>
-              <a:t>- make a contract with the </a:t>
-            </a:r>
-            <a:r>
-              <a:rPr lang="en-US" sz="4000" dirty="0" smtClean="0"/>
-              <a:t>users</a:t>
-            </a:r>
-          </a:p>
-          <a:p>
-            <a:r>
-              <a:rPr lang="en-US" sz="4000" u="sng" dirty="0" smtClean="0"/>
-              <a:t>Appropriate</a:t>
-            </a:r>
-            <a:r>
-              <a:rPr lang="en-US" sz="4000" dirty="0" smtClean="0"/>
-              <a:t> - </a:t>
-            </a:r>
-            <a:r>
-              <a:rPr lang="en-US" sz="4000" dirty="0"/>
-              <a:t>is the use of Learning Technology suitable in your situation</a:t>
-            </a:r>
-            <a:r>
-              <a:rPr lang="en-US" sz="4000" dirty="0" smtClean="0"/>
+              <a:rPr lang="en-US" sz="3600" u="sng" dirty="0"/>
+              <a:t>Determination</a:t>
+            </a:r>
+            <a:r>
+              <a:rPr lang="en-US" sz="3600" dirty="0"/>
+              <a:t> - Why do you want to implement this Learning Technology</a:t>
+            </a:r>
+            <a:r>
+              <a:rPr lang="en-US" sz="3600" dirty="0" smtClean="0"/>
               <a:t>?</a:t>
             </a:r>
-            <a:endParaRPr lang="en-US" sz="4000" dirty="0"/>
-          </a:p>
-          <a:p>
-            <a:r>
-              <a:rPr lang="en-US" sz="4000" u="sng" dirty="0"/>
-              <a:t>Technical</a:t>
-            </a:r>
-            <a:r>
-              <a:rPr lang="en-US" sz="4000" dirty="0"/>
-              <a:t> - procedures to protect the </a:t>
-            </a:r>
-            <a:r>
-              <a:rPr lang="en-US" sz="4000" dirty="0" smtClean="0"/>
-              <a:t>learner</a:t>
-            </a:r>
-          </a:p>
-          <a:p>
-            <a:r>
-              <a:rPr lang="en-US" sz="4000" u="sng" dirty="0"/>
-              <a:t>External</a:t>
-            </a:r>
-            <a:r>
-              <a:rPr lang="en-US" sz="4000" dirty="0"/>
-              <a:t> - If you work with external providers</a:t>
-            </a:r>
-            <a:endParaRPr lang="en-US" sz="4000" dirty="0" smtClean="0"/>
+          </a:p>
+          <a:p>
+            <a:r>
+              <a:rPr lang="en-US" sz="3600" u="sng" dirty="0"/>
+              <a:t>Explain</a:t>
+            </a:r>
+            <a:r>
+              <a:rPr lang="en-US" sz="3600" dirty="0"/>
+              <a:t> - Be open about your intentions and </a:t>
+            </a:r>
+            <a:r>
+              <a:rPr lang="en-US" sz="3600" dirty="0" smtClean="0"/>
+              <a:t>objectives</a:t>
+            </a:r>
+          </a:p>
+          <a:p>
+            <a:r>
+              <a:rPr lang="en-US" sz="3600" u="sng" dirty="0"/>
+              <a:t>Legitimate</a:t>
+            </a:r>
+            <a:r>
+              <a:rPr lang="en-US" sz="3600" dirty="0"/>
+              <a:t> - why are you implementing your Learning Technology</a:t>
+            </a:r>
+            <a:r>
+              <a:rPr lang="en-US" sz="3600" dirty="0" smtClean="0"/>
+              <a:t>?</a:t>
+            </a:r>
+          </a:p>
+          <a:p>
+            <a:r>
+              <a:rPr lang="en-US" sz="3600" u="sng" dirty="0"/>
+              <a:t>Involve</a:t>
+            </a:r>
+            <a:r>
+              <a:rPr lang="en-US" sz="3600" dirty="0"/>
+              <a:t> - Involve all stakeholders and users</a:t>
+            </a:r>
           </a:p>
         </p:txBody>
       </p:sp>
     </p:spTree>
     <p:extLst>
       <p:ext uri="{BB962C8B-B14F-4D97-AF65-F5344CB8AC3E}">
-        <p14:creationId xmlns:p14="http://schemas.microsoft.com/office/powerpoint/2010/main" val="735171049"/>
+        <p14:creationId xmlns:p14="http://schemas.microsoft.com/office/powerpoint/2010/main" val="1651938417"/>
       </p:ext>
     </p:extLst>
   </p:cSld>
   <p:clrMapOvr>
     <a:masterClrMapping/>
   </p:clrMapOvr>
+  <p:timing>
+    <p:tnLst>
+      <p:par>
+        <p:cTn id="1" dur="indefinite" restart="never" nodeType="tmRoot"/>
+      </p:par>
+    </p:tnLst>
+  </p:timing>
 </p:sld>
 </file>
 
@@ -4398,7 +4399,15 @@
           <a:p>
             <a:r>
               <a:rPr lang="en-US" dirty="0" smtClean="0"/>
-              <a:t>IMS Efforts - Improving</a:t>
+              <a:t>DELICATE Checklist </a:t>
+            </a:r>
+            <a:r>
+              <a:rPr lang="en-US" dirty="0"/>
+              <a:t>for Learning </a:t>
+            </a:r>
+            <a:r>
+              <a:rPr lang="en-US" dirty="0" smtClean="0"/>
+              <a:t>Technology (DRAFT)</a:t>
             </a:r>
             <a:endParaRPr lang="en-US" dirty="0"/>
           </a:p>
@@ -4416,66 +4425,91 @@
         </p:nvSpPr>
         <p:spPr/>
         <p:txBody>
-          <a:bodyPr/>
-          <a:lstStyle/>
-          <a:p>
-            <a:r>
-              <a:rPr lang="en-US" dirty="0" smtClean="0"/>
-              <a:t>Each time we evolve a standard like LTI we look at it with a lens of improving learner privacy</a:t>
-            </a:r>
-          </a:p>
-          <a:p>
-            <a:r>
-              <a:rPr lang="en-US" dirty="0" smtClean="0"/>
-              <a:t>Using things like the GDPR as a continuous lens - previous podcasts</a:t>
-            </a:r>
-          </a:p>
-          <a:p>
-            <a:r>
-              <a:rPr lang="en-US" dirty="0" smtClean="0"/>
-              <a:t>Evolving software certification to put privacy support harder to skirt </a:t>
-            </a:r>
-          </a:p>
-          <a:p>
-            <a:r>
-              <a:rPr lang="en-US" dirty="0" smtClean="0"/>
-              <a:t>Working groups developing privacy policies and </a:t>
-            </a:r>
-            <a:r>
-              <a:rPr lang="en-US" dirty="0" smtClean="0"/>
-              <a:t>rubrics</a:t>
-            </a:r>
-          </a:p>
-          <a:p>
-            <a:endParaRPr lang="en-US" dirty="0"/>
-          </a:p>
-          <a:p>
-            <a:r>
-              <a:rPr lang="en-US" dirty="0" smtClean="0"/>
-              <a:t>Privacy efforts in IMS are no long "not yet" </a:t>
-            </a:r>
-            <a:r>
-              <a:rPr lang="mr-IN" dirty="0" smtClean="0"/>
-              <a:t>–</a:t>
-            </a:r>
-            <a:r>
-              <a:rPr lang="en-US" dirty="0" smtClean="0"/>
-              <a:t> real advocates / interest</a:t>
-            </a:r>
-            <a:endParaRPr lang="en-US" dirty="0"/>
+          <a:bodyPr>
+            <a:noAutofit/>
+          </a:bodyPr>
+          <a:lstStyle/>
+          <a:p>
+            <a:r>
+              <a:rPr lang="en-US" sz="4000" u="sng" dirty="0"/>
+              <a:t>Care and </a:t>
+            </a:r>
+            <a:r>
+              <a:rPr lang="en-US" sz="4000" u="sng" dirty="0" smtClean="0"/>
+              <a:t>Consent </a:t>
+            </a:r>
+            <a:r>
+              <a:rPr lang="en-US" sz="4000" dirty="0"/>
+              <a:t>- make a contract with the </a:t>
+            </a:r>
+            <a:r>
+              <a:rPr lang="en-US" sz="4000" dirty="0" smtClean="0"/>
+              <a:t>users</a:t>
+            </a:r>
+          </a:p>
+          <a:p>
+            <a:r>
+              <a:rPr lang="en-US" sz="4000" u="sng" dirty="0" smtClean="0"/>
+              <a:t>Appropriate</a:t>
+            </a:r>
+            <a:r>
+              <a:rPr lang="en-US" sz="4000" dirty="0" smtClean="0"/>
+              <a:t> - </a:t>
+            </a:r>
+            <a:r>
+              <a:rPr lang="en-US" sz="4000" dirty="0"/>
+              <a:t>is the use of Learning Technology suitable in your situation</a:t>
+            </a:r>
+            <a:r>
+              <a:rPr lang="en-US" sz="4000" dirty="0" smtClean="0"/>
+              <a:t>?</a:t>
+            </a:r>
+            <a:endParaRPr lang="en-US" sz="4000" dirty="0"/>
+          </a:p>
+          <a:p>
+            <a:r>
+              <a:rPr lang="en-US" sz="4000" u="sng" dirty="0"/>
+              <a:t>Technical</a:t>
+            </a:r>
+            <a:r>
+              <a:rPr lang="en-US" sz="4000" dirty="0"/>
+              <a:t> - procedures to protect the </a:t>
+            </a:r>
+            <a:r>
+              <a:rPr lang="en-US" sz="4000" dirty="0" smtClean="0"/>
+              <a:t>learner</a:t>
+            </a:r>
+          </a:p>
+          <a:p>
+            <a:r>
+              <a:rPr lang="en-US" sz="4000" u="sng" dirty="0"/>
+              <a:t>External</a:t>
+            </a:r>
+            <a:r>
+              <a:rPr lang="en-US" sz="4000" dirty="0"/>
+              <a:t> - If you work with external providers</a:t>
+            </a:r>
+            <a:endParaRPr lang="en-US" sz="4000" dirty="0" smtClean="0"/>
           </a:p>
         </p:txBody>
       </p:sp>
     </p:spTree>
     <p:extLst>
       <p:ext uri="{BB962C8B-B14F-4D97-AF65-F5344CB8AC3E}">
-        <p14:creationId xmlns:p14="http://schemas.microsoft.com/office/powerpoint/2010/main" val="1160763778"/>
+        <p14:creationId xmlns:p14="http://schemas.microsoft.com/office/powerpoint/2010/main" val="735171049"/>
       </p:ext>
     </p:extLst>
   </p:cSld>
   <p:clrMapOvr>
     <a:masterClrMapping/>
   </p:clrMapOvr>
+  <p:timing>
+    <p:tnLst>
+      <p:par>
+        <p:cTn id="1" dur="indefinite" restart="never" nodeType="tmRoot"/>
+      </p:par>
+    </p:tnLst>
+  </p:timing>
 </p:sld>
 </file>
 
@@ -4513,7 +4547,7 @@
           <a:p>
             <a:r>
               <a:rPr lang="en-US" dirty="0" smtClean="0"/>
-              <a:t>LTI 1.1 Can Be Done In A Private Manner</a:t>
+              <a:t>IMS Efforts - Improving</a:t>
             </a:r>
             <a:endParaRPr lang="en-US" dirty="0"/>
           </a:p>
@@ -4531,14 +4565,39 @@
         </p:nvSpPr>
         <p:spPr/>
         <p:txBody>
-          <a:bodyPr>
-            <a:normAutofit lnSpcReduction="10000"/>
-          </a:bodyPr>
+          <a:bodyPr/>
           <a:lstStyle/>
           <a:p>
             <a:r>
               <a:rPr lang="en-US" dirty="0" smtClean="0"/>
-              <a:t>Simple example </a:t>
+              <a:t>Each time we evolve a standard like LTI we look at it with a lens of improving learner privacy</a:t>
+            </a:r>
+          </a:p>
+          <a:p>
+            <a:r>
+              <a:rPr lang="en-US" dirty="0" smtClean="0"/>
+              <a:t>Using things like the GDPR as a continuous lens - previous podcasts</a:t>
+            </a:r>
+          </a:p>
+          <a:p>
+            <a:r>
+              <a:rPr lang="en-US" dirty="0" smtClean="0"/>
+              <a:t>Evolving software certification to put privacy support harder to skirt </a:t>
+            </a:r>
+          </a:p>
+          <a:p>
+            <a:r>
+              <a:rPr lang="en-US" dirty="0" smtClean="0"/>
+              <a:t>Working groups developing privacy policies and rubrics</a:t>
+            </a:r>
+          </a:p>
+          <a:p>
+            <a:endParaRPr lang="en-US" dirty="0"/>
+          </a:p>
+          <a:p>
+            <a:r>
+              <a:rPr lang="en-US" dirty="0" smtClean="0"/>
+              <a:t>Privacy efforts in IMS are no long "not yet" </a:t>
             </a:r>
             <a:r>
               <a:rPr lang="mr-IN" dirty="0" smtClean="0"/>
@@ -4546,73 +4605,29 @@
             </a:r>
             <a:r>
               <a:rPr lang="en-US" dirty="0" smtClean="0"/>
-              <a:t> many LTI 1.1 tools cannot function without the user's e-mail address in launches</a:t>
-            </a:r>
-          </a:p>
-          <a:p>
-            <a:r>
-              <a:rPr lang="en-US" dirty="0" smtClean="0"/>
-              <a:t>But few tool vendors make learner privacy a priority</a:t>
-            </a:r>
-          </a:p>
-          <a:p>
-            <a:r>
-              <a:rPr lang="en-US" dirty="0" smtClean="0"/>
-              <a:t>LTI is not how a tool is constructed </a:t>
-            </a:r>
-            <a:r>
-              <a:rPr lang="mr-IN" dirty="0" smtClean="0"/>
-              <a:t>–</a:t>
-            </a:r>
-            <a:r>
-              <a:rPr lang="en-US" dirty="0" smtClean="0"/>
-              <a:t> it is one of many ways to log into the tool </a:t>
-            </a:r>
-            <a:r>
-              <a:rPr lang="mr-IN" dirty="0" smtClean="0"/>
-              <a:t>–</a:t>
-            </a:r>
-            <a:r>
-              <a:rPr lang="en-US" dirty="0" smtClean="0"/>
-              <a:t> and most of the other ways use email address</a:t>
-            </a:r>
-          </a:p>
-          <a:p>
-            <a:r>
-              <a:rPr lang="en-US" dirty="0"/>
-              <a:t>They </a:t>
-            </a:r>
-            <a:r>
-              <a:rPr lang="en-US" dirty="0" smtClean="0"/>
-              <a:t>built have software </a:t>
-            </a:r>
-            <a:r>
-              <a:rPr lang="en-US" dirty="0"/>
-              <a:t>that uses email as </a:t>
-            </a:r>
-            <a:r>
-              <a:rPr lang="en-US" dirty="0" smtClean="0"/>
-              <a:t>primary key</a:t>
-            </a:r>
-          </a:p>
-          <a:p>
-            <a:r>
-              <a:rPr lang="en-US" dirty="0" smtClean="0"/>
-              <a:t>They want it to connect user data across clients for data mining purposes</a:t>
-            </a:r>
+              <a:t> real advocates / interest</a:t>
+            </a:r>
+            <a:endParaRPr lang="en-US" dirty="0"/>
           </a:p>
         </p:txBody>
       </p:sp>
     </p:spTree>
     <p:extLst>
       <p:ext uri="{BB962C8B-B14F-4D97-AF65-F5344CB8AC3E}">
-        <p14:creationId xmlns:p14="http://schemas.microsoft.com/office/powerpoint/2010/main" val="1014237204"/>
+        <p14:creationId xmlns:p14="http://schemas.microsoft.com/office/powerpoint/2010/main" val="1160763778"/>
       </p:ext>
     </p:extLst>
   </p:cSld>
   <p:clrMapOvr>
     <a:masterClrMapping/>
   </p:clrMapOvr>
+  <p:timing>
+    <p:tnLst>
+      <p:par>
+        <p:cTn id="1" dur="indefinite" restart="never" nodeType="tmRoot"/>
+      </p:par>
+    </p:tnLst>
+  </p:timing>
 </p:sld>
 </file>
 
@@ -4774,6 +4789,13 @@
   <p:clrMapOvr>
     <a:masterClrMapping/>
   </p:clrMapOvr>
+  <p:timing>
+    <p:tnLst>
+      <p:par>
+        <p:cTn id="1" dur="indefinite" restart="never" nodeType="tmRoot"/>
+      </p:par>
+    </p:tnLst>
+  </p:timing>
 </p:sld>
 </file>
 
@@ -4844,28 +4866,11 @@
               </a:rPr>
               <a:t>A+  </a:t>
             </a:r>
-            <a:endParaRPr lang="en-US" dirty="0" smtClean="0">
-              <a:solidFill>
-                <a:srgbClr val="FFFF00"/>
-              </a:solidFill>
-            </a:endParaRPr>
           </a:p>
           <a:p>
             <a:r>
               <a:rPr lang="en-US" dirty="0" smtClean="0"/>
-              <a:t>Want to </a:t>
-            </a:r>
-            <a:r>
-              <a:rPr lang="en-US" dirty="0" smtClean="0"/>
-              <a:t>pick a "more private" product </a:t>
-            </a:r>
-            <a:r>
-              <a:rPr lang="en-US" dirty="0" smtClean="0"/>
-              <a:t>but only if </a:t>
-            </a:r>
-            <a:r>
-              <a:rPr lang="en-US" dirty="0" smtClean="0"/>
-              <a:t>they have two equivalent choices </a:t>
+              <a:t>Want to pick a "more private" product but only if they have two equivalent choices </a:t>
             </a:r>
             <a:r>
               <a:rPr lang="mr-IN" dirty="0" smtClean="0"/>
@@ -4873,15 +4878,7 @@
             </a:r>
             <a:r>
               <a:rPr lang="en-US" dirty="0" smtClean="0"/>
-              <a:t> want </a:t>
-            </a:r>
-            <a:r>
-              <a:rPr lang="en-US" dirty="0" smtClean="0"/>
-              <a:t>the market to develop "more </a:t>
-            </a:r>
-            <a:r>
-              <a:rPr lang="en-US" dirty="0" smtClean="0"/>
-              <a:t>private" </a:t>
+              <a:t> want the market to develop "more private" </a:t>
             </a:r>
             <a:r>
               <a:rPr lang="en-US" dirty="0" smtClean="0">
@@ -4895,11 +4892,7 @@
           <a:p>
             <a:r>
               <a:rPr lang="en-US" dirty="0" smtClean="0"/>
-              <a:t>Want to do </a:t>
-            </a:r>
-            <a:r>
-              <a:rPr lang="en-US" dirty="0" smtClean="0"/>
-              <a:t>maintain the status quo </a:t>
+              <a:t>Want to do maintain the status quo </a:t>
             </a:r>
             <a:r>
               <a:rPr lang="mr-IN" dirty="0" smtClean="0"/>
@@ -4907,11 +4900,7 @@
             </a:r>
             <a:r>
               <a:rPr lang="en-US" dirty="0" smtClean="0"/>
-              <a:t> </a:t>
-            </a:r>
-            <a:r>
-              <a:rPr lang="en-US" dirty="0" smtClean="0"/>
-              <a:t>want to collect "badges" that indicate that whatever they choose to do is "best practice" </a:t>
+              <a:t> want to collect "badges" that indicate that whatever they choose to do is "best practice" </a:t>
             </a:r>
             <a:r>
               <a:rPr lang="en-US" dirty="0" smtClean="0">
@@ -4939,6 +4928,13 @@
   <p:clrMapOvr>
     <a:masterClrMapping/>
   </p:clrMapOvr>
+  <p:timing>
+    <p:tnLst>
+      <p:par>
+        <p:cTn id="1" dur="indefinite" restart="never" nodeType="tmRoot"/>
+      </p:par>
+    </p:tnLst>
+  </p:timing>
 </p:sld>
 </file>
 
